--- a/Docker - Swapfiets Training.pptx
+++ b/Docker - Swapfiets Training.pptx
@@ -28892,7 +28892,7 @@
         <p:spPr>
           <a:xfrm>
             <a:off x="351182" y="317509"/>
-            <a:ext cx="3896139" cy="4215706"/>
+            <a:ext cx="3896139" cy="4492705"/>
           </a:xfrm>
           <a:prstGeom prst="rect">
             <a:avLst/>
@@ -29103,6 +29103,32 @@
                 <a:latin typeface="Montserrat" panose="020B0604020202020204" charset="0"/>
               </a:rPr>
               <a:t>to different Cloud providers</a:t>
+            </a:r>
+          </a:p>
+          <a:p>
+            <a:pPr marL="171450" indent="-171450">
+              <a:lnSpc>
+                <a:spcPct val="150000"/>
+              </a:lnSpc>
+              <a:buFont typeface="Arial" panose="020B0604020202020204" pitchFamily="34" charset="0"/>
+              <a:buChar char="•"/>
+            </a:pPr>
+            <a:r>
+              <a:rPr lang="en-US" sz="1200" dirty="0">
+                <a:solidFill>
+                  <a:schemeClr val="accent6">
+                    <a:lumMod val="75000"/>
+                  </a:schemeClr>
+                </a:solidFill>
+                <a:latin typeface="Montserrat" panose="020B0604020202020204" charset="0"/>
+              </a:rPr>
+              <a:t>Run automated </a:t>
+            </a:r>
+            <a:r>
+              <a:rPr lang="en-US" sz="1200" dirty="0">
+                <a:latin typeface="Montserrat" panose="020B0604020202020204" charset="0"/>
+              </a:rPr>
+              <a:t>test on temporary Apps</a:t>
             </a:r>
           </a:p>
           <a:p>

--- a/Docker - Swapfiets Training.pptx
+++ b/Docker - Swapfiets Training.pptx
@@ -23492,9 +23492,23 @@
                 <a:sym typeface="Arial"/>
                 <a:hlinkClick r:id="rId5" action="ppaction://hlinkfile"/>
               </a:rPr>
-              <a:t>Samples.md</a:t>
+              <a:t>README.md</a:t>
+            </a:r>
+            <a:r>
+              <a:rPr lang="en-GB" sz="1200" dirty="0">
+                <a:solidFill>
+                  <a:schemeClr val="tx1"/>
+                </a:solidFill>
+                <a:latin typeface="Montserrat" panose="020B0604020202020204" charset="0"/>
+                <a:cs typeface="Arial"/>
+                <a:sym typeface="Arial"/>
+              </a:rPr>
+              <a:t> (Samples)</a:t>
             </a:r>
             <a:endParaRPr lang="en-GB" sz="1200" dirty="0">
+              <a:solidFill>
+                <a:schemeClr val="tx1"/>
+              </a:solidFill>
               <a:latin typeface="Montserrat" panose="020B0604020202020204" charset="0"/>
             </a:endParaRPr>
           </a:p>

--- a/Docker - Swapfiets Training.pptx
+++ b/Docker - Swapfiets Training.pptx
@@ -297,6 +297,33 @@
     </p:ext>
   </p:extLst>
 </p:presentation>
+</file>
+
+<file path=ppt/commentAuthors.xml><?xml version="1.0" encoding="utf-8"?>
+<p:cmAuthorLst xmlns:a="http://schemas.openxmlformats.org/drawingml/2006/main" xmlns:r="http://schemas.openxmlformats.org/officeDocument/2006/relationships" xmlns:p="http://schemas.openxmlformats.org/presentationml/2006/main">
+  <p:cmAuthor id="1" name="Alexandre Souza" initials="AS" lastIdx="2" clrIdx="0">
+    <p:extLst>
+      <p:ext uri="{19B8F6BF-5375-455C-9EA6-DF929625EA0E}">
+        <p15:presenceInfo xmlns:p15="http://schemas.microsoft.com/office/powerpoint/2012/main" userId="2f9a7c01b53d45fe" providerId="Windows Live"/>
+      </p:ext>
+    </p:extLst>
+  </p:cmAuthor>
+</p:cmAuthorLst>
+</file>
+
+<file path=ppt/comments/comment1.xml><?xml version="1.0" encoding="utf-8"?>
+<p:cmLst xmlns:a="http://schemas.openxmlformats.org/drawingml/2006/main" xmlns:r="http://schemas.openxmlformats.org/officeDocument/2006/relationships" xmlns:p="http://schemas.openxmlformats.org/presentationml/2006/main">
+  <p:cm authorId="1" dt="2019-07-09T11:31:01.377" idx="2">
+    <p:pos x="10" y="10"/>
+    <p:text>Matias will explain the history behind VMs and why containers are better
+- Cost-effiency</p:text>
+    <p:extLst>
+      <p:ext uri="{C676402C-5697-4E1C-873F-D02D1690AC5C}">
+        <p15:threadingInfo xmlns:p15="http://schemas.microsoft.com/office/powerpoint/2012/main" timeZoneBias="-120"/>
+      </p:ext>
+    </p:extLst>
+  </p:cm>
+</p:cmLst>
 </file>
 
 <file path=ppt/notesMasters/notesMaster1.xml><?xml version="1.0" encoding="utf-8"?>
@@ -24083,7 +24110,7 @@
                 </a:solidFill>
                 <a:latin typeface="Montserrat"/>
               </a:rPr>
-              <a:t>ockefile</a:t>
+              <a:t>ockerfile</a:t>
             </a:r>
             <a:endParaRPr lang="en-US" sz="3200" b="1" dirty="0">
               <a:solidFill>
@@ -24563,8 +24590,8 @@
         </p:nvSpPr>
         <p:spPr>
           <a:xfrm>
-            <a:off x="851207" y="1260872"/>
-            <a:ext cx="7199538" cy="3529789"/>
+            <a:off x="851207" y="1219310"/>
+            <a:ext cx="7199538" cy="3608784"/>
           </a:xfrm>
           <a:prstGeom prst="rect">
             <a:avLst/>
@@ -25059,6 +25086,45 @@
               </a:rPr>
               <a:t>Managing Volumes and Networks</a:t>
             </a:r>
+          </a:p>
+          <a:p>
+            <a:pPr marL="628650" lvl="1" indent="-171450">
+              <a:lnSpc>
+                <a:spcPct val="140000"/>
+              </a:lnSpc>
+              <a:buFont typeface="Arial" panose="020B0604020202020204" pitchFamily="34" charset="0"/>
+              <a:buChar char="•"/>
+            </a:pPr>
+            <a:r>
+              <a:rPr lang="en-GB" sz="900" dirty="0">
+                <a:solidFill>
+                  <a:schemeClr val="tx1">
+                    <a:lumMod val="95000"/>
+                    <a:lumOff val="5000"/>
+                  </a:schemeClr>
+                </a:solidFill>
+              </a:rPr>
+              <a:t>docker image ls</a:t>
+            </a:r>
+            <a:endParaRPr lang="en-GB" sz="900" dirty="0">
+              <a:solidFill>
+                <a:srgbClr val="00B0F0"/>
+              </a:solidFill>
+            </a:endParaRPr>
+          </a:p>
+          <a:p>
+            <a:pPr marL="171450" indent="-171450">
+              <a:lnSpc>
+                <a:spcPct val="140000"/>
+              </a:lnSpc>
+              <a:buFont typeface="Arial" panose="020B0604020202020204" pitchFamily="34" charset="0"/>
+              <a:buChar char="•"/>
+            </a:pPr>
+            <a:endParaRPr lang="en-GB" sz="1200" dirty="0">
+              <a:solidFill>
+                <a:srgbClr val="00B0F0"/>
+              </a:solidFill>
+            </a:endParaRPr>
           </a:p>
           <a:p>
             <a:pPr marL="171450" indent="-171450">
@@ -27891,21 +27957,7 @@
                 <a:latin typeface="Montserrat" panose="020B0604020202020204" charset="0"/>
                 <a:cs typeface="Calibri" panose="020F0502020204030204" pitchFamily="34" charset="0"/>
               </a:rPr>
-              <a:t>It was Google who actually created </a:t>
-            </a:r>
-            <a:r>
-              <a:rPr lang="en-GB" sz="1100" b="0" dirty="0" err="1">
-                <a:latin typeface="Montserrat" panose="020B0604020202020204" charset="0"/>
-                <a:cs typeface="Calibri" panose="020F0502020204030204" pitchFamily="34" charset="0"/>
-              </a:rPr>
-              <a:t>Kuberbetes</a:t>
-            </a:r>
-            <a:r>
-              <a:rPr lang="en-GB" sz="1100" b="0" dirty="0">
-                <a:latin typeface="Montserrat" panose="020B0604020202020204" charset="0"/>
-                <a:cs typeface="Calibri" panose="020F0502020204030204" pitchFamily="34" charset="0"/>
-              </a:rPr>
-              <a:t> and donated it to </a:t>
+              <a:t>It was Google who actually created Kubernetes and donated it to </a:t>
             </a:r>
             <a:r>
               <a:rPr lang="en-GB" sz="1100" b="0" dirty="0">
@@ -28906,7 +28958,7 @@
         <p:spPr>
           <a:xfrm>
             <a:off x="351182" y="317509"/>
-            <a:ext cx="3896139" cy="4492705"/>
+            <a:ext cx="3896139" cy="4379917"/>
           </a:xfrm>
           <a:prstGeom prst="rect">
             <a:avLst/>
@@ -28927,7 +28979,7 @@
               <a:buChar char="•"/>
             </a:pPr>
             <a:r>
-              <a:rPr lang="en-US" sz="1200" dirty="0">
+              <a:rPr lang="en-US" sz="1100" dirty="0">
                 <a:solidFill>
                   <a:srgbClr val="00B0F0"/>
                 </a:solidFill>
@@ -28936,7 +28988,7 @@
               <a:t>Speed up</a:t>
             </a:r>
             <a:r>
-              <a:rPr lang="en-US" sz="1200" dirty="0">
+              <a:rPr lang="en-US" sz="1100" dirty="0">
                 <a:latin typeface="Montserrat" panose="020B0604020202020204" charset="0"/>
               </a:rPr>
               <a:t> App development and release</a:t>
@@ -28951,7 +29003,7 @@
               <a:buChar char="•"/>
             </a:pPr>
             <a:r>
-              <a:rPr lang="en-US" sz="1200" dirty="0">
+              <a:rPr lang="en-US" sz="1100" dirty="0">
                 <a:solidFill>
                   <a:srgbClr val="FF0000"/>
                 </a:solidFill>
@@ -28960,7 +29012,7 @@
               <a:t>Fast release </a:t>
             </a:r>
             <a:r>
-              <a:rPr lang="en-US" sz="1200" dirty="0">
+              <a:rPr lang="en-US" sz="1100" dirty="0">
                 <a:latin typeface="Montserrat" panose="020B0604020202020204" charset="0"/>
               </a:rPr>
               <a:t>of new Apps and versions</a:t>
@@ -28975,7 +29027,7 @@
               <a:buChar char="•"/>
             </a:pPr>
             <a:r>
-              <a:rPr lang="en-US" sz="1200" dirty="0">
+              <a:rPr lang="en-US" sz="1100" dirty="0">
                 <a:solidFill>
                   <a:srgbClr val="00B050"/>
                 </a:solidFill>
@@ -28984,7 +29036,7 @@
               <a:t>No downtime </a:t>
             </a:r>
             <a:r>
-              <a:rPr lang="en-US" sz="1200" dirty="0">
+              <a:rPr lang="en-US" sz="1100" dirty="0">
                 <a:latin typeface="Montserrat" panose="020B0604020202020204" charset="0"/>
               </a:rPr>
               <a:t>releases with Canary deployment and some container orchestrator</a:t>
@@ -28999,7 +29051,7 @@
               <a:buChar char="•"/>
             </a:pPr>
             <a:r>
-              <a:rPr lang="en-US" sz="1200" dirty="0">
+              <a:rPr lang="en-US" sz="1100" dirty="0">
                 <a:solidFill>
                   <a:srgbClr val="FF0066"/>
                 </a:solidFill>
@@ -29008,7 +29060,7 @@
               <a:t>Keep up </a:t>
             </a:r>
             <a:r>
-              <a:rPr lang="en-US" sz="1200" dirty="0">
+              <a:rPr lang="en-US" sz="1100" dirty="0">
                 <a:latin typeface="Montserrat" panose="020B0604020202020204" charset="0"/>
               </a:rPr>
               <a:t>with Cloud providers evolution</a:t>
@@ -29023,7 +29075,7 @@
               <a:buChar char="•"/>
             </a:pPr>
             <a:r>
-              <a:rPr lang="en-US" sz="1200" dirty="0">
+              <a:rPr lang="en-US" sz="1100" dirty="0">
                 <a:solidFill>
                   <a:srgbClr val="33CC33"/>
                 </a:solidFill>
@@ -29032,7 +29084,7 @@
               <a:t>Cleaner build </a:t>
             </a:r>
             <a:r>
-              <a:rPr lang="en-US" sz="1200" dirty="0">
+              <a:rPr lang="en-US" sz="1100" dirty="0">
                 <a:latin typeface="Montserrat" panose="020B0604020202020204" charset="0"/>
               </a:rPr>
               <a:t>and release pipeline</a:t>
@@ -29047,7 +29099,7 @@
               <a:buChar char="•"/>
             </a:pPr>
             <a:r>
-              <a:rPr lang="en-US" sz="1200" dirty="0">
+              <a:rPr lang="en-US" sz="1100" dirty="0">
                 <a:solidFill>
                   <a:srgbClr val="CC99FF"/>
                 </a:solidFill>
@@ -29056,7 +29108,7 @@
               <a:t>Developer </a:t>
             </a:r>
             <a:r>
-              <a:rPr lang="en-US" sz="1200" dirty="0">
+              <a:rPr lang="en-US" sz="1100" dirty="0">
                 <a:solidFill>
                   <a:schemeClr val="tx1"/>
                 </a:solidFill>
@@ -29065,7 +29117,7 @@
               <a:t>machine </a:t>
             </a:r>
             <a:r>
-              <a:rPr lang="en-US" sz="1200" dirty="0">
+              <a:rPr lang="en-US" sz="1100" dirty="0">
                 <a:latin typeface="Montserrat" panose="020B0604020202020204" charset="0"/>
               </a:rPr>
               <a:t>similar to other environment</a:t>
@@ -29080,7 +29132,7 @@
               <a:buChar char="•"/>
             </a:pPr>
             <a:r>
-              <a:rPr lang="en-US" sz="1200" dirty="0">
+              <a:rPr lang="en-US" sz="1100" dirty="0">
                 <a:solidFill>
                   <a:srgbClr val="FF00FF"/>
                 </a:solidFill>
@@ -29089,7 +29141,7 @@
               <a:t>Facilitate cloud </a:t>
             </a:r>
             <a:r>
-              <a:rPr lang="en-US" sz="1200" dirty="0">
+              <a:rPr lang="en-US" sz="1100" dirty="0">
                 <a:latin typeface="Montserrat" panose="020B0604020202020204" charset="0"/>
               </a:rPr>
               <a:t>provider migration (E.g.: Reducing costs)</a:t>
@@ -29104,7 +29156,7 @@
               <a:buChar char="•"/>
             </a:pPr>
             <a:r>
-              <a:rPr lang="en-US" sz="1200" dirty="0">
+              <a:rPr lang="en-US" sz="1100" dirty="0">
                 <a:solidFill>
                   <a:srgbClr val="FF9900"/>
                 </a:solidFill>
@@ -29113,7 +29165,7 @@
               <a:t>Enables deployment </a:t>
             </a:r>
             <a:r>
-              <a:rPr lang="en-US" sz="1200" dirty="0">
+              <a:rPr lang="en-US" sz="1100" dirty="0">
                 <a:latin typeface="Montserrat" panose="020B0604020202020204" charset="0"/>
               </a:rPr>
               <a:t>to different Cloud providers</a:t>
@@ -29128,7 +29180,7 @@
               <a:buChar char="•"/>
             </a:pPr>
             <a:r>
-              <a:rPr lang="en-US" sz="1200" dirty="0">
+              <a:rPr lang="en-US" sz="1100" dirty="0">
                 <a:solidFill>
                   <a:schemeClr val="accent6">
                     <a:lumMod val="75000"/>
@@ -29139,19 +29191,69 @@
               <a:t>Run automated </a:t>
             </a:r>
             <a:r>
-              <a:rPr lang="en-US" sz="1200" dirty="0">
+              <a:rPr lang="en-US" sz="1100" dirty="0">
                 <a:latin typeface="Montserrat" panose="020B0604020202020204" charset="0"/>
               </a:rPr>
               <a:t>test on temporary Apps</a:t>
             </a:r>
           </a:p>
           <a:p>
+            <a:pPr marL="171450" indent="-171450">
+              <a:lnSpc>
+                <a:spcPct val="150000"/>
+              </a:lnSpc>
+              <a:buFont typeface="Arial" panose="020B0604020202020204" pitchFamily="34" charset="0"/>
+              <a:buChar char="•"/>
+            </a:pPr>
+            <a:r>
+              <a:rPr lang="en-US" sz="1100" dirty="0">
+                <a:solidFill>
+                  <a:srgbClr val="0099FF"/>
+                </a:solidFill>
+                <a:latin typeface="Montserrat" panose="020B0604020202020204" charset="0"/>
+              </a:rPr>
+              <a:t>Facilitate adoption </a:t>
+            </a:r>
+            <a:r>
+              <a:rPr lang="en-US" sz="1100" dirty="0">
+                <a:latin typeface="Montserrat" panose="020B0604020202020204" charset="0"/>
+              </a:rPr>
+              <a:t>of Microservice architecture</a:t>
+            </a:r>
+          </a:p>
+          <a:p>
+            <a:pPr marL="171450" indent="-171450">
+              <a:lnSpc>
+                <a:spcPct val="150000"/>
+              </a:lnSpc>
+              <a:buFont typeface="Arial" panose="020B0604020202020204" pitchFamily="34" charset="0"/>
+              <a:buChar char="•"/>
+            </a:pPr>
+            <a:r>
+              <a:rPr lang="en-US" sz="1100" dirty="0">
+                <a:solidFill>
+                  <a:schemeClr val="accent2">
+                    <a:lumMod val="75000"/>
+                  </a:schemeClr>
+                </a:solidFill>
+                <a:latin typeface="Montserrat" panose="020B0604020202020204" charset="0"/>
+              </a:rPr>
+              <a:t>Allows teams </a:t>
+            </a:r>
+            <a:r>
+              <a:rPr lang="en-US" sz="1100" dirty="0">
+                <a:latin typeface="Montserrat" panose="020B0604020202020204" charset="0"/>
+              </a:rPr>
+              <a:t>work with different tech-stack</a:t>
+            </a:r>
+          </a:p>
+          <a:p>
             <a:pPr>
               <a:lnSpc>
                 <a:spcPct val="150000"/>
               </a:lnSpc>
             </a:pPr>
-            <a:endParaRPr lang="en-US" sz="1200" dirty="0">
+            <a:endParaRPr lang="en-US" sz="1100" dirty="0">
               <a:latin typeface="Montserrat" panose="020B0604020202020204" charset="0"/>
             </a:endParaRPr>
           </a:p>
@@ -29162,7 +29264,7 @@
               </a:lnSpc>
             </a:pPr>
             <a:r>
-              <a:rPr lang="en-US" sz="1200" dirty="0">
+              <a:rPr lang="en-US" sz="1100" dirty="0">
                 <a:latin typeface="Montserrat" panose="020B0604020202020204" charset="0"/>
               </a:rPr>
               <a:t>And much more…</a:t>
